--- a/2511/Jims Class/Lectures/Essential/030-HTML-Forms.pptx
+++ b/2511/Jims Class/Lectures/Essential/030-HTML-Forms.pptx
@@ -5,7 +5,7 @@
     <p:sldMasterId id="2147483648" r:id="rId1"/>
   </p:sldMasterIdLst>
   <p:notesMasterIdLst>
-    <p:notesMasterId r:id="rId31"/>
+    <p:notesMasterId r:id="rId32"/>
   </p:notesMasterIdLst>
   <p:sldIdLst>
     <p:sldId id="256" r:id="rId2"/>
@@ -30,13 +30,14 @@
     <p:sldId id="274" r:id="rId21"/>
     <p:sldId id="275" r:id="rId22"/>
     <p:sldId id="276" r:id="rId23"/>
-    <p:sldId id="277" r:id="rId24"/>
-    <p:sldId id="278" r:id="rId25"/>
-    <p:sldId id="279" r:id="rId26"/>
-    <p:sldId id="280" r:id="rId27"/>
-    <p:sldId id="281" r:id="rId28"/>
-    <p:sldId id="282" r:id="rId29"/>
-    <p:sldId id="283" r:id="rId30"/>
+    <p:sldId id="285" r:id="rId24"/>
+    <p:sldId id="277" r:id="rId25"/>
+    <p:sldId id="278" r:id="rId26"/>
+    <p:sldId id="279" r:id="rId27"/>
+    <p:sldId id="280" r:id="rId28"/>
+    <p:sldId id="281" r:id="rId29"/>
+    <p:sldId id="282" r:id="rId30"/>
+    <p:sldId id="283" r:id="rId31"/>
   </p:sldIdLst>
   <p:sldSz cx="12192000" cy="6858000"/>
   <p:notesSz cx="6858000" cy="9144000"/>
@@ -274,7 +275,7 @@
       <p15:sldGuideLst xmlns:p15="http://schemas.microsoft.com/office/powerpoint/2012/main"/>
     </p:ext>
     <p:ext uri="http://customooxmlschemas.google.com/">
-      <go:slidesCustomData xmlns:go="http://customooxmlschemas.google.com/" xmlns:ahyp="http://schemas.microsoft.com/office/drawing/2018/hyperlinkcolor" xmlns:p15="http://schemas.microsoft.com/office/powerpoint/2012/main" xmlns:p14="http://schemas.microsoft.com/office/powerpoint/2010/main" xmlns:com="http://schemas.openxmlformats.org/drawingml/2006/compatibility" xmlns:pvml="urn:schemas-microsoft-com:office:powerpoint" xmlns:v="urn:schemas-microsoft-com:vml" xmlns:o="urn:schemas-microsoft-com:office:office" xmlns:dgm="http://schemas.openxmlformats.org/drawingml/2006/diagram" xmlns:c="http://schemas.openxmlformats.org/drawingml/2006/chart" xmlns:mv="urn:schemas-microsoft-com:mac:vml" xmlns:mc="http://schemas.openxmlformats.org/markup-compatibility/2006" xmlns="" r:id="rId33" roundtripDataSignature="AMtx7mjK5EWvnaSgCFsr156IUvfIzwfWzw=="/>
+      <go:slidesCustomData xmlns="" xmlns:mc="http://schemas.openxmlformats.org/markup-compatibility/2006" xmlns:mv="urn:schemas-microsoft-com:mac:vml" xmlns:c="http://schemas.openxmlformats.org/drawingml/2006/chart" xmlns:dgm="http://schemas.openxmlformats.org/drawingml/2006/diagram" xmlns:o="urn:schemas-microsoft-com:office:office" xmlns:v="urn:schemas-microsoft-com:vml" xmlns:pvml="urn:schemas-microsoft-com:office:powerpoint" xmlns:com="http://schemas.openxmlformats.org/drawingml/2006/compatibility" xmlns:p14="http://schemas.microsoft.com/office/powerpoint/2010/main" xmlns:p15="http://schemas.microsoft.com/office/powerpoint/2012/main" xmlns:ahyp="http://schemas.microsoft.com/office/drawing/2018/hyperlinkcolor" xmlns:go="http://customooxmlschemas.google.com/" r:id="rId33" roundtripDataSignature="AMtx7mjK5EWvnaSgCFsr156IUvfIzwfWzw=="/>
     </p:ext>
   </p:extLst>
 </p:presentation>
@@ -6176,7 +6177,7 @@
           <a:p>
             <a:fld id="{3773CBC9-E63F-2449-9BA5-B487CF9EB662}" type="datetimeFigureOut">
               <a:rPr lang="en-CA" smtClean="0"/>
-              <a:t>2026-01-14</a:t>
+              <a:t>2026-01-21</a:t>
             </a:fld>
             <a:endParaRPr lang="en-CA"/>
           </a:p>
@@ -15906,7 +15907,38 @@
                 <a:cs typeface="Calibri"/>
                 <a:sym typeface="Calibri"/>
               </a:rPr>
-              <a:t>The actual value input is sent to the web server, not the asterisks that mask the input.</a:t>
+              <a:t>Actual value input is sent to the web server, not the asterisks that mask the input.</a:t>
+            </a:r>
+          </a:p>
+          <a:p>
+            <a:pPr marL="342900" marR="0" lvl="0" indent="-342900" algn="just" rtl="0">
+              <a:lnSpc>
+                <a:spcPct val="90000"/>
+              </a:lnSpc>
+              <a:spcBef>
+                <a:spcPts val="1680"/>
+              </a:spcBef>
+              <a:spcAft>
+                <a:spcPts val="0"/>
+              </a:spcAft>
+              <a:buClr>
+                <a:schemeClr val="dk1"/>
+              </a:buClr>
+              <a:buSzPts val="2400"/>
+              <a:buFont typeface="Arial"/>
+              <a:buChar char="•"/>
+            </a:pPr>
+            <a:r>
+              <a:rPr lang="en-US" sz="2400">
+                <a:solidFill>
+                  <a:schemeClr val="dk1"/>
+                </a:solidFill>
+                <a:latin typeface="Calibri"/>
+                <a:ea typeface="Calibri"/>
+                <a:cs typeface="Calibri"/>
+                <a:sym typeface="Calibri"/>
+              </a:rPr>
+              <a:t>In Safari and Edge there is an icon in the right end of the field which displays it.</a:t>
             </a:r>
             <a:endParaRPr/>
           </a:p>
@@ -17122,7 +17154,7 @@
               <a:buChar char="•"/>
             </a:pPr>
             <a:r>
-              <a:rPr lang="en-US" sz="2000">
+              <a:rPr lang="en-US" sz="2400">
                 <a:solidFill>
                   <a:srgbClr val="000000"/>
                 </a:solidFill>
@@ -17134,7 +17166,7 @@
               <a:t>The </a:t>
             </a:r>
             <a:r>
-              <a:rPr lang="en-US" sz="2000">
+              <a:rPr lang="en-US" sz="2400">
                 <a:solidFill>
                   <a:srgbClr val="0000FF"/>
                 </a:solidFill>
@@ -17146,7 +17178,7 @@
               <a:t>tel</a:t>
             </a:r>
             <a:r>
-              <a:rPr lang="en-US" sz="2000">
+              <a:rPr lang="en-US" sz="2400">
                 <a:solidFill>
                   <a:srgbClr val="000000"/>
                 </a:solidFill>
@@ -17158,7 +17190,7 @@
               <a:t> </a:t>
             </a:r>
             <a:r>
-              <a:rPr lang="en-US" sz="2000">
+              <a:rPr lang="en-US" sz="2400">
                 <a:solidFill>
                   <a:srgbClr val="0000FF"/>
                 </a:solidFill>
@@ -17170,7 +17202,7 @@
               <a:t>input type</a:t>
             </a:r>
             <a:r>
-              <a:rPr lang="en-US" sz="2000">
+              <a:rPr lang="en-US" sz="2400">
                 <a:solidFill>
                   <a:srgbClr val="000000"/>
                 </a:solidFill>
@@ -17182,7 +17214,7 @@
               <a:t> enables the user to enter a telephone number—mobile browsers typically display a keypad specific to entering phone numbers for this </a:t>
             </a:r>
             <a:r>
-              <a:rPr lang="en-US" sz="2000">
+              <a:rPr lang="en-US" sz="2400">
                 <a:solidFill>
                   <a:srgbClr val="000000"/>
                 </a:solidFill>
@@ -17194,7 +17226,7 @@
               <a:t>input</a:t>
             </a:r>
             <a:r>
-              <a:rPr lang="en-US" sz="2000">
+              <a:rPr lang="en-US" sz="2400">
                 <a:solidFill>
                   <a:srgbClr val="000000"/>
                 </a:solidFill>
@@ -17205,7 +17237,7 @@
               </a:rPr>
               <a:t> type. </a:t>
             </a:r>
-            <a:endParaRPr/>
+            <a:endParaRPr sz="2400"/>
           </a:p>
           <a:p>
             <a:pPr marL="342900" marR="0" lvl="0" indent="-342900" algn="just" rtl="0">
@@ -17226,7 +17258,7 @@
               <a:buChar char="•"/>
             </a:pPr>
             <a:r>
-              <a:rPr lang="en-US" sz="2000">
+              <a:rPr lang="en-US" sz="2400">
                 <a:solidFill>
                   <a:srgbClr val="000000"/>
                 </a:solidFill>
@@ -17237,7 +17269,7 @@
               </a:rPr>
               <a:t>At the time of this writing, the tel input type is rendered as a text field in all of the browsers. </a:t>
             </a:r>
-            <a:endParaRPr/>
+            <a:endParaRPr sz="2400"/>
           </a:p>
           <a:p>
             <a:pPr marL="342900" marR="0" lvl="0" indent="-342900" algn="just" rtl="0">
@@ -17258,7 +17290,7 @@
               <a:buChar char="•"/>
             </a:pPr>
             <a:r>
-              <a:rPr lang="en-US" sz="2000">
+              <a:rPr lang="en-US" sz="2400">
                 <a:solidFill>
                   <a:srgbClr val="000000"/>
                 </a:solidFill>
@@ -17269,7 +17301,7 @@
               </a:rPr>
               <a:t>HTML5 does not self validate the tel input type. </a:t>
             </a:r>
-            <a:endParaRPr/>
+            <a:endParaRPr sz="2400"/>
           </a:p>
           <a:p>
             <a:pPr marL="342900" marR="0" lvl="0" indent="-342900" algn="just" rtl="0">
@@ -17290,7 +17322,7 @@
               <a:buChar char="•"/>
             </a:pPr>
             <a:r>
-              <a:rPr lang="en-US" sz="2000">
+              <a:rPr lang="en-US" sz="2400">
                 <a:solidFill>
                   <a:srgbClr val="000000"/>
                 </a:solidFill>
@@ -17302,7 +17334,7 @@
               <a:t>To ensure that the user enters a phone number in a proper format, </a:t>
             </a:r>
             <a:r>
-              <a:rPr lang="en-US" sz="2000" b="1">
+              <a:rPr lang="en-US" sz="2400" b="1">
                 <a:solidFill>
                   <a:srgbClr val="000000"/>
                 </a:solidFill>
@@ -17314,7 +17346,7 @@
               <a:t>pattern</a:t>
             </a:r>
             <a:r>
-              <a:rPr lang="en-US" sz="2000">
+              <a:rPr lang="en-US" sz="2400">
                 <a:solidFill>
                   <a:srgbClr val="000000"/>
                 </a:solidFill>
@@ -17325,7 +17357,7 @@
               </a:rPr>
               <a:t> attribute must be defined. </a:t>
             </a:r>
-            <a:endParaRPr/>
+            <a:endParaRPr sz="2400"/>
           </a:p>
           <a:p>
             <a:pPr marL="804863" marR="0" lvl="1" indent="-342900" algn="just" rtl="0">
@@ -17346,7 +17378,7 @@
               <a:buChar char="•"/>
             </a:pPr>
             <a:r>
-              <a:rPr lang="en-US" sz="1400" b="0" i="0" u="none" strike="noStrike" cap="none">
+              <a:rPr lang="en-US" sz="1800" b="0" i="0" u="none" strike="noStrike" cap="none">
                 <a:solidFill>
                   <a:srgbClr val="000000"/>
                 </a:solidFill>
@@ -17357,7 +17389,7 @@
               </a:rPr>
               <a:t>An example of a valid phone number pattern:</a:t>
             </a:r>
-            <a:endParaRPr/>
+            <a:endParaRPr sz="1800"/>
           </a:p>
           <a:p>
             <a:pPr marL="804863" marR="0" lvl="1" indent="-342900" algn="just" rtl="0">
@@ -17378,7 +17410,7 @@
               <a:buChar char="•"/>
             </a:pPr>
             <a:r>
-              <a:rPr lang="en-US" sz="1400" b="1" i="0" u="none" strike="noStrike" cap="none">
+              <a:rPr lang="en-US" sz="1800" b="1" i="0" u="none" strike="noStrike" cap="none">
                 <a:solidFill>
                   <a:schemeClr val="dk1"/>
                 </a:solidFill>
@@ -17390,7 +17422,7 @@
               <a:t>Pattern</a:t>
             </a:r>
             <a:r>
-              <a:rPr lang="en-US" sz="1400" b="0" i="0" u="none" strike="noStrike" cap="none">
+              <a:rPr lang="en-US" sz="1800" b="0" i="0" u="none" strike="noStrike" cap="none">
                 <a:solidFill>
                   <a:schemeClr val="dk1"/>
                 </a:solidFill>
@@ -17401,7 +17433,7 @@
               </a:rPr>
               <a:t> = “[0-9]{3}[\-][0-9]{3}[\-][0-9]{4}”</a:t>
             </a:r>
-            <a:endParaRPr sz="1400" b="0" i="0" u="none" strike="noStrike" cap="none">
+            <a:endParaRPr sz="1800" b="0" i="0" u="none" strike="noStrike" cap="none">
               <a:solidFill>
                 <a:srgbClr val="000000"/>
               </a:solidFill>
@@ -19014,7 +19046,44 @@
                 <a:cs typeface="Calibri"/>
                 <a:sym typeface="Calibri"/>
               </a:rPr>
-              <a:t> enables the user to enter a date (year, month, day). </a:t>
+              <a:t> enables the user to enter a date (year, month, day).</a:t>
+            </a:r>
+          </a:p>
+          <a:p>
+            <a:pPr marL="342900" marR="0" lvl="0" indent="-342900" algn="just" rtl="0">
+              <a:spcBef>
+                <a:spcPts val="0"/>
+              </a:spcBef>
+              <a:spcAft>
+                <a:spcPts val="0"/>
+              </a:spcAft>
+              <a:buClr>
+                <a:schemeClr val="dk1"/>
+              </a:buClr>
+              <a:buSzPts val="2200"/>
+              <a:buFont typeface="Arial"/>
+              <a:buChar char="•"/>
+            </a:pPr>
+            <a:r>
+              <a:rPr lang="en-US" sz="2200">
+                <a:latin typeface="Calibri"/>
+                <a:ea typeface="Calibri"/>
+                <a:cs typeface="Calibri"/>
+                <a:sym typeface="Calibri"/>
+              </a:rPr>
+              <a:t>For dates not recent enter the year to jump to that year.</a:t>
+            </a:r>
+            <a:r>
+              <a:rPr lang="en-US" sz="2200">
+                <a:solidFill>
+                  <a:srgbClr val="000000"/>
+                </a:solidFill>
+                <a:latin typeface="Calibri"/>
+                <a:ea typeface="Calibri"/>
+                <a:cs typeface="Calibri"/>
+                <a:sym typeface="Calibri"/>
+              </a:rPr>
+              <a:t> </a:t>
             </a:r>
             <a:endParaRPr/>
           </a:p>
@@ -20694,6 +20763,879 @@
   <p:cSld>
     <p:spTree>
       <p:nvGrpSpPr>
+        <p:cNvPr id="1" name=""/>
+        <p:cNvGrpSpPr/>
+        <p:nvPr/>
+      </p:nvGrpSpPr>
+      <p:grpSpPr>
+        <a:xfrm>
+          <a:off x="0" y="0"/>
+          <a:ext cx="0" cy="0"/>
+          <a:chOff x="0" y="0"/>
+          <a:chExt cx="0" cy="0"/>
+        </a:xfrm>
+      </p:grpSpPr>
+      <p:sp>
+        <p:nvSpPr>
+          <p:cNvPr id="2" name="Title 1">
+            <a:extLst>
+              <a:ext uri="{FF2B5EF4-FFF2-40B4-BE49-F238E27FC236}">
+                <a16:creationId xmlns:a16="http://schemas.microsoft.com/office/drawing/2014/main" id="{C840830D-F196-4DBD-BC1B-BDE6DCE831E9}"/>
+              </a:ext>
+            </a:extLst>
+          </p:cNvPr>
+          <p:cNvSpPr>
+            <a:spLocks noGrp="1"/>
+          </p:cNvSpPr>
+          <p:nvPr>
+            <p:ph type="title"/>
+          </p:nvPr>
+        </p:nvSpPr>
+        <p:spPr/>
+        <p:txBody>
+          <a:bodyPr/>
+          <a:lstStyle/>
+          <a:p>
+            <a:r>
+              <a:rPr lang="en-US"/>
+              <a:t>For…	works for Checkbox &amp; Radio button</a:t>
+            </a:r>
+            <a:endParaRPr lang="en-CA"/>
+          </a:p>
+        </p:txBody>
+      </p:sp>
+      <p:sp>
+        <p:nvSpPr>
+          <p:cNvPr id="3" name="Text Placeholder 2">
+            <a:extLst>
+              <a:ext uri="{FF2B5EF4-FFF2-40B4-BE49-F238E27FC236}">
+                <a16:creationId xmlns:a16="http://schemas.microsoft.com/office/drawing/2014/main" id="{A4231011-8EB2-443D-BC23-D5A6F767D742}"/>
+              </a:ext>
+            </a:extLst>
+          </p:cNvPr>
+          <p:cNvSpPr>
+            <a:spLocks noGrp="1"/>
+          </p:cNvSpPr>
+          <p:nvPr>
+            <p:ph type="body" idx="1"/>
+          </p:nvPr>
+        </p:nvSpPr>
+        <p:spPr/>
+        <p:txBody>
+          <a:bodyPr>
+            <a:normAutofit fontScale="77500" lnSpcReduction="20000"/>
+          </a:bodyPr>
+          <a:lstStyle/>
+          <a:p>
+            <a:pPr marL="114300" indent="0">
+              <a:buNone/>
+            </a:pPr>
+            <a:r>
+              <a:rPr lang="en-US"/>
+              <a:t>There are two ways to make sure the user can click on the words and not just the radio button or checkbox.</a:t>
+            </a:r>
+          </a:p>
+          <a:p>
+            <a:r>
+              <a:rPr lang="en-US"/>
+              <a:t>Nesting – enclose the input element inside a pair of labels (This is shown in the two previous slides)</a:t>
+            </a:r>
+          </a:p>
+          <a:p>
+            <a:r>
+              <a:rPr lang="en-US"/>
+              <a:t>Use the For structure to match the ids of the label and the input</a:t>
+            </a:r>
+          </a:p>
+          <a:p>
+            <a:pPr marL="114300" indent="0">
+              <a:buNone/>
+            </a:pPr>
+            <a:r>
+              <a:rPr lang="en-US"/>
+              <a:t>	</a:t>
+            </a:r>
+            <a:r>
+              <a:rPr lang="en-US" b="0">
+                <a:solidFill>
+                  <a:srgbClr val="808080"/>
+                </a:solidFill>
+                <a:effectLst/>
+                <a:latin typeface="Consolas" panose="020B0609020204030204" pitchFamily="49" charset="0"/>
+              </a:rPr>
+              <a:t>&lt;</a:t>
+            </a:r>
+            <a:r>
+              <a:rPr lang="en-US" b="0">
+                <a:solidFill>
+                  <a:srgbClr val="569CD6"/>
+                </a:solidFill>
+                <a:effectLst/>
+                <a:latin typeface="Consolas" panose="020B0609020204030204" pitchFamily="49" charset="0"/>
+              </a:rPr>
+              <a:t>label</a:t>
+            </a:r>
+            <a:r>
+              <a:rPr lang="en-US" b="0">
+                <a:solidFill>
+                  <a:srgbClr val="CCCCCC"/>
+                </a:solidFill>
+                <a:effectLst/>
+                <a:latin typeface="Consolas" panose="020B0609020204030204" pitchFamily="49" charset="0"/>
+              </a:rPr>
+              <a:t> </a:t>
+            </a:r>
+            <a:r>
+              <a:rPr lang="en-US" b="0">
+                <a:solidFill>
+                  <a:srgbClr val="9CDCFE"/>
+                </a:solidFill>
+                <a:effectLst/>
+                <a:latin typeface="Consolas" panose="020B0609020204030204" pitchFamily="49" charset="0"/>
+              </a:rPr>
+              <a:t>for</a:t>
+            </a:r>
+            <a:r>
+              <a:rPr lang="en-US" b="0">
+                <a:solidFill>
+                  <a:srgbClr val="CCCCCC"/>
+                </a:solidFill>
+                <a:effectLst/>
+                <a:latin typeface="Consolas" panose="020B0609020204030204" pitchFamily="49" charset="0"/>
+              </a:rPr>
+              <a:t>=</a:t>
+            </a:r>
+            <a:r>
+              <a:rPr lang="en-US" b="0">
+                <a:solidFill>
+                  <a:srgbClr val="CE9178"/>
+                </a:solidFill>
+                <a:effectLst/>
+                <a:latin typeface="Consolas" panose="020B0609020204030204" pitchFamily="49" charset="0"/>
+              </a:rPr>
+              <a:t>"one-way"</a:t>
+            </a:r>
+            <a:r>
+              <a:rPr lang="en-US" b="0">
+                <a:solidFill>
+                  <a:srgbClr val="808080"/>
+                </a:solidFill>
+                <a:effectLst/>
+                <a:latin typeface="Consolas" panose="020B0609020204030204" pitchFamily="49" charset="0"/>
+              </a:rPr>
+              <a:t>&gt;</a:t>
+            </a:r>
+            <a:r>
+              <a:rPr lang="en-US" b="0">
+                <a:solidFill>
+                  <a:schemeClr val="tx1"/>
+                </a:solidFill>
+                <a:effectLst/>
+                <a:latin typeface="Consolas" panose="020B0609020204030204" pitchFamily="49" charset="0"/>
+              </a:rPr>
+              <a:t>One Way</a:t>
+            </a:r>
+          </a:p>
+          <a:p>
+            <a:pPr marL="1719263" indent="0">
+              <a:buNone/>
+              <a:tabLst>
+                <a:tab pos="1660525" algn="l"/>
+              </a:tabLst>
+            </a:pPr>
+            <a:r>
+              <a:rPr lang="en-US" b="0">
+                <a:solidFill>
+                  <a:srgbClr val="808080"/>
+                </a:solidFill>
+                <a:effectLst/>
+                <a:latin typeface="Consolas" panose="020B0609020204030204" pitchFamily="49" charset="0"/>
+              </a:rPr>
+              <a:t>&lt;</a:t>
+            </a:r>
+            <a:r>
+              <a:rPr lang="en-US" b="0">
+                <a:solidFill>
+                  <a:srgbClr val="569CD6"/>
+                </a:solidFill>
+                <a:effectLst/>
+                <a:latin typeface="Consolas" panose="020B0609020204030204" pitchFamily="49" charset="0"/>
+              </a:rPr>
+              <a:t>input</a:t>
+            </a:r>
+            <a:r>
+              <a:rPr lang="en-US" b="0">
+                <a:solidFill>
+                  <a:srgbClr val="CCCCCC"/>
+                </a:solidFill>
+                <a:effectLst/>
+                <a:latin typeface="Consolas" panose="020B0609020204030204" pitchFamily="49" charset="0"/>
+              </a:rPr>
+              <a:t> </a:t>
+            </a:r>
+            <a:r>
+              <a:rPr lang="en-US" b="0">
+                <a:solidFill>
+                  <a:srgbClr val="9CDCFE"/>
+                </a:solidFill>
+                <a:effectLst/>
+                <a:latin typeface="Consolas" panose="020B0609020204030204" pitchFamily="49" charset="0"/>
+              </a:rPr>
+              <a:t>id</a:t>
+            </a:r>
+            <a:r>
+              <a:rPr lang="en-US" b="0">
+                <a:solidFill>
+                  <a:srgbClr val="CCCCCC"/>
+                </a:solidFill>
+                <a:effectLst/>
+                <a:latin typeface="Consolas" panose="020B0609020204030204" pitchFamily="49" charset="0"/>
+              </a:rPr>
+              <a:t>=</a:t>
+            </a:r>
+            <a:r>
+              <a:rPr lang="en-US" b="0">
+                <a:solidFill>
+                  <a:srgbClr val="CE9178"/>
+                </a:solidFill>
+                <a:effectLst/>
+                <a:latin typeface="Consolas" panose="020B0609020204030204" pitchFamily="49" charset="0"/>
+              </a:rPr>
+              <a:t>"one-way"</a:t>
+            </a:r>
+            <a:r>
+              <a:rPr lang="en-US" b="0">
+                <a:solidFill>
+                  <a:srgbClr val="CCCCCC"/>
+                </a:solidFill>
+                <a:effectLst/>
+                <a:latin typeface="Consolas" panose="020B0609020204030204" pitchFamily="49" charset="0"/>
+              </a:rPr>
+              <a:t> </a:t>
+            </a:r>
+            <a:r>
+              <a:rPr lang="en-US" b="0">
+                <a:solidFill>
+                  <a:srgbClr val="9CDCFE"/>
+                </a:solidFill>
+                <a:effectLst/>
+                <a:latin typeface="Consolas" panose="020B0609020204030204" pitchFamily="49" charset="0"/>
+              </a:rPr>
+              <a:t>type</a:t>
+            </a:r>
+            <a:r>
+              <a:rPr lang="en-US" b="0">
+                <a:solidFill>
+                  <a:srgbClr val="CCCCCC"/>
+                </a:solidFill>
+                <a:effectLst/>
+                <a:latin typeface="Consolas" panose="020B0609020204030204" pitchFamily="49" charset="0"/>
+              </a:rPr>
+              <a:t>=</a:t>
+            </a:r>
+            <a:r>
+              <a:rPr lang="en-US" b="0">
+                <a:solidFill>
+                  <a:srgbClr val="CE9178"/>
+                </a:solidFill>
+                <a:effectLst/>
+                <a:latin typeface="Consolas" panose="020B0609020204030204" pitchFamily="49" charset="0"/>
+              </a:rPr>
+              <a:t>"radio"</a:t>
+            </a:r>
+            <a:r>
+              <a:rPr lang="en-US" b="0">
+                <a:solidFill>
+                  <a:srgbClr val="CCCCCC"/>
+                </a:solidFill>
+                <a:effectLst/>
+                <a:latin typeface="Consolas" panose="020B0609020204030204" pitchFamily="49" charset="0"/>
+              </a:rPr>
+              <a:t> </a:t>
+            </a:r>
+            <a:r>
+              <a:rPr lang="en-US" b="0">
+                <a:solidFill>
+                  <a:srgbClr val="9CDCFE"/>
+                </a:solidFill>
+                <a:effectLst/>
+                <a:latin typeface="Consolas" panose="020B0609020204030204" pitchFamily="49" charset="0"/>
+              </a:rPr>
+              <a:t>name</a:t>
+            </a:r>
+            <a:r>
+              <a:rPr lang="en-US" b="0">
+                <a:solidFill>
+                  <a:srgbClr val="CCCCCC"/>
+                </a:solidFill>
+                <a:effectLst/>
+                <a:latin typeface="Consolas" panose="020B0609020204030204" pitchFamily="49" charset="0"/>
+              </a:rPr>
+              <a:t>=</a:t>
+            </a:r>
+            <a:r>
+              <a:rPr lang="en-US" b="0">
+                <a:solidFill>
+                  <a:srgbClr val="CE9178"/>
+                </a:solidFill>
+                <a:effectLst/>
+                <a:latin typeface="Consolas" panose="020B0609020204030204" pitchFamily="49" charset="0"/>
+              </a:rPr>
+              <a:t>"flighttype“</a:t>
+            </a:r>
+            <a:r>
+              <a:rPr lang="en-US" b="0">
+                <a:solidFill>
+                  <a:srgbClr val="CCCCCC"/>
+                </a:solidFill>
+                <a:effectLst/>
+                <a:latin typeface="Consolas" panose="020B0609020204030204" pitchFamily="49" charset="0"/>
+              </a:rPr>
+              <a:t> </a:t>
+            </a:r>
+            <a:r>
+              <a:rPr lang="en-US" b="0">
+                <a:solidFill>
+                  <a:srgbClr val="9CDCFE"/>
+                </a:solidFill>
+                <a:effectLst/>
+                <a:latin typeface="Consolas" panose="020B0609020204030204" pitchFamily="49" charset="0"/>
+              </a:rPr>
+              <a:t>value</a:t>
+            </a:r>
+            <a:r>
+              <a:rPr lang="en-US" b="0">
+                <a:solidFill>
+                  <a:srgbClr val="CCCCCC"/>
+                </a:solidFill>
+                <a:effectLst/>
+                <a:latin typeface="Consolas" panose="020B0609020204030204" pitchFamily="49" charset="0"/>
+              </a:rPr>
+              <a:t>=</a:t>
+            </a:r>
+            <a:r>
+              <a:rPr lang="en-US" b="0">
+                <a:solidFill>
+                  <a:srgbClr val="CE9178"/>
+                </a:solidFill>
+                <a:effectLst/>
+                <a:latin typeface="Consolas" panose="020B0609020204030204" pitchFamily="49" charset="0"/>
+              </a:rPr>
+              <a:t>"one-way"</a:t>
+            </a:r>
+            <a:r>
+              <a:rPr lang="en-US" b="0">
+                <a:solidFill>
+                  <a:srgbClr val="CCCCCC"/>
+                </a:solidFill>
+                <a:effectLst/>
+                <a:latin typeface="Consolas" panose="020B0609020204030204" pitchFamily="49" charset="0"/>
+              </a:rPr>
+              <a:t> </a:t>
+            </a:r>
+            <a:r>
+              <a:rPr lang="en-US" b="0">
+                <a:solidFill>
+                  <a:srgbClr val="9CDCFE"/>
+                </a:solidFill>
+                <a:effectLst/>
+                <a:latin typeface="Consolas" panose="020B0609020204030204" pitchFamily="49" charset="0"/>
+              </a:rPr>
+              <a:t>checked</a:t>
+            </a:r>
+            <a:r>
+              <a:rPr lang="en-US" b="0">
+                <a:solidFill>
+                  <a:srgbClr val="808080"/>
+                </a:solidFill>
+                <a:effectLst/>
+                <a:latin typeface="Consolas" panose="020B0609020204030204" pitchFamily="49" charset="0"/>
+              </a:rPr>
+              <a:t>&gt;</a:t>
+            </a:r>
+            <a:endParaRPr lang="en-US" b="0">
+              <a:solidFill>
+                <a:srgbClr val="CCCCCC"/>
+              </a:solidFill>
+              <a:effectLst/>
+              <a:latin typeface="Consolas" panose="020B0609020204030204" pitchFamily="49" charset="0"/>
+            </a:endParaRPr>
+          </a:p>
+          <a:p>
+            <a:pPr marL="114300" indent="0">
+              <a:buNone/>
+            </a:pPr>
+            <a:r>
+              <a:rPr lang="en-US" b="0">
+                <a:solidFill>
+                  <a:srgbClr val="CCCCCC"/>
+                </a:solidFill>
+                <a:effectLst/>
+                <a:latin typeface="Consolas" panose="020B0609020204030204" pitchFamily="49" charset="0"/>
+              </a:rPr>
+              <a:t>     </a:t>
+            </a:r>
+            <a:r>
+              <a:rPr lang="en-US" b="0">
+                <a:solidFill>
+                  <a:srgbClr val="808080"/>
+                </a:solidFill>
+                <a:effectLst/>
+                <a:latin typeface="Consolas" panose="020B0609020204030204" pitchFamily="49" charset="0"/>
+              </a:rPr>
+              <a:t>&lt;/</a:t>
+            </a:r>
+            <a:r>
+              <a:rPr lang="en-US" b="0">
+                <a:solidFill>
+                  <a:srgbClr val="569CD6"/>
+                </a:solidFill>
+                <a:effectLst/>
+                <a:latin typeface="Consolas" panose="020B0609020204030204" pitchFamily="49" charset="0"/>
+              </a:rPr>
+              <a:t>label</a:t>
+            </a:r>
+            <a:r>
+              <a:rPr lang="en-US" b="0">
+                <a:solidFill>
+                  <a:srgbClr val="808080"/>
+                </a:solidFill>
+                <a:effectLst/>
+                <a:latin typeface="Consolas" panose="020B0609020204030204" pitchFamily="49" charset="0"/>
+              </a:rPr>
+              <a:t>&gt;</a:t>
+            </a:r>
+            <a:r>
+              <a:rPr lang="en-US" b="0">
+                <a:solidFill>
+                  <a:srgbClr val="569CD6"/>
+                </a:solidFill>
+                <a:effectLst/>
+                <a:latin typeface="Consolas" panose="020B0609020204030204" pitchFamily="49" charset="0"/>
+              </a:rPr>
+              <a:t>&amp;nbsp;</a:t>
+            </a:r>
+            <a:endParaRPr lang="en-US" b="0">
+              <a:solidFill>
+                <a:srgbClr val="CCCCCC"/>
+              </a:solidFill>
+              <a:effectLst/>
+              <a:latin typeface="Consolas" panose="020B0609020204030204" pitchFamily="49" charset="0"/>
+            </a:endParaRPr>
+          </a:p>
+          <a:p>
+            <a:pPr marL="114300" indent="0">
+              <a:buNone/>
+            </a:pPr>
+            <a:r>
+              <a:rPr lang="en-US" b="0">
+                <a:solidFill>
+                  <a:srgbClr val="CCCCCC"/>
+                </a:solidFill>
+                <a:effectLst/>
+                <a:latin typeface="Consolas" panose="020B0609020204030204" pitchFamily="49" charset="0"/>
+              </a:rPr>
+              <a:t>     </a:t>
+            </a:r>
+            <a:r>
+              <a:rPr lang="en-US" b="0">
+                <a:solidFill>
+                  <a:srgbClr val="808080"/>
+                </a:solidFill>
+                <a:effectLst/>
+                <a:latin typeface="Consolas" panose="020B0609020204030204" pitchFamily="49" charset="0"/>
+              </a:rPr>
+              <a:t>&lt;</a:t>
+            </a:r>
+            <a:r>
+              <a:rPr lang="en-US" b="0">
+                <a:solidFill>
+                  <a:srgbClr val="569CD6"/>
+                </a:solidFill>
+                <a:effectLst/>
+                <a:latin typeface="Consolas" panose="020B0609020204030204" pitchFamily="49" charset="0"/>
+              </a:rPr>
+              <a:t>label</a:t>
+            </a:r>
+            <a:r>
+              <a:rPr lang="en-US" b="0">
+                <a:solidFill>
+                  <a:srgbClr val="CCCCCC"/>
+                </a:solidFill>
+                <a:effectLst/>
+                <a:latin typeface="Consolas" panose="020B0609020204030204" pitchFamily="49" charset="0"/>
+              </a:rPr>
+              <a:t> </a:t>
+            </a:r>
+            <a:r>
+              <a:rPr lang="en-US" b="0">
+                <a:solidFill>
+                  <a:srgbClr val="9CDCFE"/>
+                </a:solidFill>
+                <a:effectLst/>
+                <a:latin typeface="Consolas" panose="020B0609020204030204" pitchFamily="49" charset="0"/>
+              </a:rPr>
+              <a:t>for</a:t>
+            </a:r>
+            <a:r>
+              <a:rPr lang="en-US" b="0">
+                <a:solidFill>
+                  <a:srgbClr val="CCCCCC"/>
+                </a:solidFill>
+                <a:effectLst/>
+                <a:latin typeface="Consolas" panose="020B0609020204030204" pitchFamily="49" charset="0"/>
+              </a:rPr>
+              <a:t>=</a:t>
+            </a:r>
+            <a:r>
+              <a:rPr lang="en-US" b="0">
+                <a:solidFill>
+                  <a:srgbClr val="CE9178"/>
+                </a:solidFill>
+                <a:effectLst/>
+                <a:latin typeface="Consolas" panose="020B0609020204030204" pitchFamily="49" charset="0"/>
+              </a:rPr>
+              <a:t>"two-way"</a:t>
+            </a:r>
+            <a:r>
+              <a:rPr lang="en-US" b="0">
+                <a:solidFill>
+                  <a:srgbClr val="808080"/>
+                </a:solidFill>
+                <a:effectLst/>
+                <a:latin typeface="Consolas" panose="020B0609020204030204" pitchFamily="49" charset="0"/>
+              </a:rPr>
+              <a:t>&gt;</a:t>
+            </a:r>
+            <a:r>
+              <a:rPr lang="en-US" b="0">
+                <a:solidFill>
+                  <a:schemeClr val="tx1"/>
+                </a:solidFill>
+                <a:effectLst/>
+                <a:latin typeface="Consolas" panose="020B0609020204030204" pitchFamily="49" charset="0"/>
+              </a:rPr>
+              <a:t>Two Way</a:t>
+            </a:r>
+          </a:p>
+          <a:p>
+            <a:pPr marL="1662113" indent="0">
+              <a:buNone/>
+            </a:pPr>
+            <a:r>
+              <a:rPr lang="en-US" b="0">
+                <a:solidFill>
+                  <a:srgbClr val="808080"/>
+                </a:solidFill>
+                <a:effectLst/>
+                <a:latin typeface="Consolas" panose="020B0609020204030204" pitchFamily="49" charset="0"/>
+              </a:rPr>
+              <a:t>&lt;</a:t>
+            </a:r>
+            <a:r>
+              <a:rPr lang="en-US" b="0">
+                <a:solidFill>
+                  <a:srgbClr val="569CD6"/>
+                </a:solidFill>
+                <a:effectLst/>
+                <a:latin typeface="Consolas" panose="020B0609020204030204" pitchFamily="49" charset="0"/>
+              </a:rPr>
+              <a:t>input</a:t>
+            </a:r>
+            <a:r>
+              <a:rPr lang="en-US" b="0">
+                <a:solidFill>
+                  <a:srgbClr val="CCCCCC"/>
+                </a:solidFill>
+                <a:effectLst/>
+                <a:latin typeface="Consolas" panose="020B0609020204030204" pitchFamily="49" charset="0"/>
+              </a:rPr>
+              <a:t> </a:t>
+            </a:r>
+            <a:r>
+              <a:rPr lang="en-US" b="0">
+                <a:solidFill>
+                  <a:srgbClr val="9CDCFE"/>
+                </a:solidFill>
+                <a:effectLst/>
+                <a:latin typeface="Consolas" panose="020B0609020204030204" pitchFamily="49" charset="0"/>
+              </a:rPr>
+              <a:t>id</a:t>
+            </a:r>
+            <a:r>
+              <a:rPr lang="en-US" b="0">
+                <a:solidFill>
+                  <a:srgbClr val="CCCCCC"/>
+                </a:solidFill>
+                <a:effectLst/>
+                <a:latin typeface="Consolas" panose="020B0609020204030204" pitchFamily="49" charset="0"/>
+              </a:rPr>
+              <a:t>=</a:t>
+            </a:r>
+            <a:r>
+              <a:rPr lang="en-US" b="0">
+                <a:solidFill>
+                  <a:srgbClr val="CE9178"/>
+                </a:solidFill>
+                <a:effectLst/>
+                <a:latin typeface="Consolas" panose="020B0609020204030204" pitchFamily="49" charset="0"/>
+              </a:rPr>
+              <a:t>"two-way"</a:t>
+            </a:r>
+            <a:r>
+              <a:rPr lang="en-US" b="0">
+                <a:solidFill>
+                  <a:srgbClr val="CCCCCC"/>
+                </a:solidFill>
+                <a:effectLst/>
+                <a:latin typeface="Consolas" panose="020B0609020204030204" pitchFamily="49" charset="0"/>
+              </a:rPr>
+              <a:t> </a:t>
+            </a:r>
+            <a:r>
+              <a:rPr lang="en-US" b="0">
+                <a:solidFill>
+                  <a:srgbClr val="9CDCFE"/>
+                </a:solidFill>
+                <a:effectLst/>
+                <a:latin typeface="Consolas" panose="020B0609020204030204" pitchFamily="49" charset="0"/>
+              </a:rPr>
+              <a:t>type</a:t>
+            </a:r>
+            <a:r>
+              <a:rPr lang="en-US" b="0">
+                <a:solidFill>
+                  <a:srgbClr val="CCCCCC"/>
+                </a:solidFill>
+                <a:effectLst/>
+                <a:latin typeface="Consolas" panose="020B0609020204030204" pitchFamily="49" charset="0"/>
+              </a:rPr>
+              <a:t>=</a:t>
+            </a:r>
+            <a:r>
+              <a:rPr lang="en-US" b="0">
+                <a:solidFill>
+                  <a:srgbClr val="CE9178"/>
+                </a:solidFill>
+                <a:effectLst/>
+                <a:latin typeface="Consolas" panose="020B0609020204030204" pitchFamily="49" charset="0"/>
+              </a:rPr>
+              <a:t>"radio"</a:t>
+            </a:r>
+            <a:r>
+              <a:rPr lang="en-US" b="0">
+                <a:solidFill>
+                  <a:srgbClr val="CCCCCC"/>
+                </a:solidFill>
+                <a:effectLst/>
+                <a:latin typeface="Consolas" panose="020B0609020204030204" pitchFamily="49" charset="0"/>
+              </a:rPr>
+              <a:t> </a:t>
+            </a:r>
+            <a:r>
+              <a:rPr lang="en-US" b="0">
+                <a:solidFill>
+                  <a:srgbClr val="9CDCFE"/>
+                </a:solidFill>
+                <a:effectLst/>
+                <a:latin typeface="Consolas" panose="020B0609020204030204" pitchFamily="49" charset="0"/>
+              </a:rPr>
+              <a:t>name</a:t>
+            </a:r>
+            <a:r>
+              <a:rPr lang="en-US" b="0">
+                <a:solidFill>
+                  <a:srgbClr val="CCCCCC"/>
+                </a:solidFill>
+                <a:effectLst/>
+                <a:latin typeface="Consolas" panose="020B0609020204030204" pitchFamily="49" charset="0"/>
+              </a:rPr>
+              <a:t>=</a:t>
+            </a:r>
+            <a:r>
+              <a:rPr lang="en-US" b="0">
+                <a:solidFill>
+                  <a:srgbClr val="CE9178"/>
+                </a:solidFill>
+                <a:effectLst/>
+                <a:latin typeface="Consolas" panose="020B0609020204030204" pitchFamily="49" charset="0"/>
+              </a:rPr>
+              <a:t>"flighttype"</a:t>
+            </a:r>
+            <a:r>
+              <a:rPr lang="en-US" b="0">
+                <a:solidFill>
+                  <a:srgbClr val="CCCCCC"/>
+                </a:solidFill>
+                <a:effectLst/>
+                <a:latin typeface="Consolas" panose="020B0609020204030204" pitchFamily="49" charset="0"/>
+              </a:rPr>
+              <a:t>                                    </a:t>
+            </a:r>
+            <a:r>
+              <a:rPr lang="en-US" b="0">
+                <a:solidFill>
+                  <a:srgbClr val="9CDCFE"/>
+                </a:solidFill>
+                <a:effectLst/>
+                <a:latin typeface="Consolas" panose="020B0609020204030204" pitchFamily="49" charset="0"/>
+              </a:rPr>
+              <a:t>value</a:t>
+            </a:r>
+            <a:r>
+              <a:rPr lang="en-US" b="0">
+                <a:solidFill>
+                  <a:srgbClr val="CCCCCC"/>
+                </a:solidFill>
+                <a:effectLst/>
+                <a:latin typeface="Consolas" panose="020B0609020204030204" pitchFamily="49" charset="0"/>
+              </a:rPr>
+              <a:t>=</a:t>
+            </a:r>
+            <a:r>
+              <a:rPr lang="en-US" b="0">
+                <a:solidFill>
+                  <a:srgbClr val="CE9178"/>
+                </a:solidFill>
+                <a:effectLst/>
+                <a:latin typeface="Consolas" panose="020B0609020204030204" pitchFamily="49" charset="0"/>
+              </a:rPr>
+              <a:t>"two-way"</a:t>
+            </a:r>
+            <a:r>
+              <a:rPr lang="en-US" b="0">
+                <a:solidFill>
+                  <a:srgbClr val="808080"/>
+                </a:solidFill>
+                <a:effectLst/>
+                <a:latin typeface="Consolas" panose="020B0609020204030204" pitchFamily="49" charset="0"/>
+              </a:rPr>
+              <a:t>&gt;</a:t>
+            </a:r>
+            <a:endParaRPr lang="en-US" b="0">
+              <a:solidFill>
+                <a:srgbClr val="CCCCCC"/>
+              </a:solidFill>
+              <a:effectLst/>
+              <a:latin typeface="Consolas" panose="020B0609020204030204" pitchFamily="49" charset="0"/>
+            </a:endParaRPr>
+          </a:p>
+          <a:p>
+            <a:pPr marL="114300" indent="0">
+              <a:buNone/>
+            </a:pPr>
+            <a:r>
+              <a:rPr lang="en-US" b="0">
+                <a:solidFill>
+                  <a:srgbClr val="CCCCCC"/>
+                </a:solidFill>
+                <a:effectLst/>
+                <a:latin typeface="Consolas" panose="020B0609020204030204" pitchFamily="49" charset="0"/>
+              </a:rPr>
+              <a:t>     </a:t>
+            </a:r>
+            <a:r>
+              <a:rPr lang="en-US" b="0">
+                <a:solidFill>
+                  <a:srgbClr val="808080"/>
+                </a:solidFill>
+                <a:effectLst/>
+                <a:latin typeface="Consolas" panose="020B0609020204030204" pitchFamily="49" charset="0"/>
+              </a:rPr>
+              <a:t>&lt;/</a:t>
+            </a:r>
+            <a:r>
+              <a:rPr lang="en-US" b="0">
+                <a:solidFill>
+                  <a:srgbClr val="569CD6"/>
+                </a:solidFill>
+                <a:effectLst/>
+                <a:latin typeface="Consolas" panose="020B0609020204030204" pitchFamily="49" charset="0"/>
+              </a:rPr>
+              <a:t>label</a:t>
+            </a:r>
+            <a:r>
+              <a:rPr lang="en-US" b="0">
+                <a:solidFill>
+                  <a:srgbClr val="808080"/>
+                </a:solidFill>
+                <a:effectLst/>
+                <a:latin typeface="Consolas" panose="020B0609020204030204" pitchFamily="49" charset="0"/>
+              </a:rPr>
+              <a:t>&gt;</a:t>
+            </a:r>
+            <a:endParaRPr lang="en-US" b="0">
+              <a:solidFill>
+                <a:srgbClr val="CCCCCC"/>
+              </a:solidFill>
+              <a:effectLst/>
+              <a:latin typeface="Consolas" panose="020B0609020204030204" pitchFamily="49" charset="0"/>
+            </a:endParaRPr>
+          </a:p>
+          <a:p>
+            <a:pPr marL="114300" indent="0">
+              <a:buNone/>
+            </a:pPr>
+            <a:endParaRPr lang="en-CA"/>
+          </a:p>
+        </p:txBody>
+      </p:sp>
+      <p:sp>
+        <p:nvSpPr>
+          <p:cNvPr id="4" name="Slide Number Placeholder 3">
+            <a:extLst>
+              <a:ext uri="{FF2B5EF4-FFF2-40B4-BE49-F238E27FC236}">
+                <a16:creationId xmlns:a16="http://schemas.microsoft.com/office/drawing/2014/main" id="{82FC0EF8-CBB4-44C1-A92E-044EFF988BBF}"/>
+              </a:ext>
+            </a:extLst>
+          </p:cNvPr>
+          <p:cNvSpPr>
+            <a:spLocks noGrp="1"/>
+          </p:cNvSpPr>
+          <p:nvPr>
+            <p:ph type="sldNum" idx="12"/>
+          </p:nvPr>
+        </p:nvSpPr>
+        <p:spPr/>
+        <p:txBody>
+          <a:bodyPr/>
+          <a:lstStyle/>
+          <a:p>
+            <a:pPr marL="0" lvl="0" indent="0" algn="r" rtl="0">
+              <a:spcBef>
+                <a:spcPts val="0"/>
+              </a:spcBef>
+              <a:spcAft>
+                <a:spcPts val="0"/>
+              </a:spcAft>
+              <a:buNone/>
+            </a:pPr>
+            <a:fld id="{00000000-1234-1234-1234-123412341234}" type="slidenum">
+              <a:rPr lang="en-US" smtClean="0"/>
+              <a:t>22</a:t>
+            </a:fld>
+            <a:endParaRPr lang="en-US"/>
+          </a:p>
+        </p:txBody>
+      </p:sp>
+    </p:spTree>
+    <p:extLst>
+      <p:ext uri="{BB962C8B-B14F-4D97-AF65-F5344CB8AC3E}">
+        <p14:creationId xmlns:p14="http://schemas.microsoft.com/office/powerpoint/2010/main" val="3141609248"/>
+      </p:ext>
+    </p:extLst>
+  </p:cSld>
+  <p:clrMapOvr>
+    <a:masterClrMapping/>
+  </p:clrMapOvr>
+</p:sld>
+</file>
+
+<file path=ppt/slides/slide24.xml><?xml version="1.0" encoding="utf-8"?>
+<p:sld xmlns:a="http://schemas.openxmlformats.org/drawingml/2006/main" xmlns:r="http://schemas.openxmlformats.org/officeDocument/2006/relationships" xmlns:p="http://schemas.openxmlformats.org/presentationml/2006/main">
+  <p:cSld>
+    <p:spTree>
+      <p:nvGrpSpPr>
         <p:cNvPr id="1" name="Shape 258"/>
         <p:cNvGrpSpPr/>
         <p:nvPr/>
@@ -20800,7 +21742,7 @@
             </a:pPr>
             <a:fld id="{00000000-1234-1234-1234-123412341234}" type="slidenum">
               <a:rPr lang="en-US"/>
-              <a:t>22</a:t>
+              <a:t>23</a:t>
             </a:fld>
             <a:endParaRPr/>
           </a:p>
@@ -21022,7 +21964,7 @@
 </p:sld>
 </file>
 
-<file path=ppt/slides/slide24.xml><?xml version="1.0" encoding="utf-8"?>
+<file path=ppt/slides/slide25.xml><?xml version="1.0" encoding="utf-8"?>
 <p:sld xmlns:a="http://schemas.openxmlformats.org/drawingml/2006/main" xmlns:r="http://schemas.openxmlformats.org/officeDocument/2006/relationships" xmlns:p="http://schemas.openxmlformats.org/presentationml/2006/main">
   <p:cSld>
     <p:spTree>
@@ -21133,7 +22075,7 @@
             </a:pPr>
             <a:fld id="{00000000-1234-1234-1234-123412341234}" type="slidenum">
               <a:rPr lang="en-US"/>
-              <a:t>23</a:t>
+              <a:t>24</a:t>
             </a:fld>
             <a:endParaRPr/>
           </a:p>
@@ -21182,7 +22124,7 @@
               <a:buNone/>
             </a:pPr>
             <a:r>
-              <a:rPr lang="en-US" sz="2400" b="1">
+              <a:rPr lang="en-US" sz="2400" b="1" dirty="0">
                 <a:solidFill>
                   <a:schemeClr val="dk1"/>
                 </a:solidFill>
@@ -21193,7 +22135,7 @@
               </a:rPr>
               <a:t>Additional Form Elements</a:t>
             </a:r>
-            <a:endParaRPr/>
+            <a:endParaRPr dirty="0"/>
           </a:p>
           <a:p>
             <a:pPr marL="452628" marR="0" lvl="0" indent="-342900" algn="just" rtl="0">
@@ -21214,7 +22156,7 @@
               <a:buChar char="•"/>
             </a:pPr>
             <a:r>
-              <a:rPr lang="en-US" sz="2400">
+              <a:rPr lang="en-US" sz="2400" dirty="0">
                 <a:solidFill>
                   <a:schemeClr val="dk1"/>
                 </a:solidFill>
@@ -21226,7 +22168,7 @@
               <a:t>The </a:t>
             </a:r>
             <a:r>
-              <a:rPr lang="en-US" sz="2400" b="1">
+              <a:rPr lang="en-US" sz="2400" b="1" dirty="0" err="1">
                 <a:solidFill>
                   <a:schemeClr val="dk1"/>
                 </a:solidFill>
@@ -21238,7 +22180,7 @@
               <a:t>textarea</a:t>
             </a:r>
             <a:r>
-              <a:rPr lang="en-US" sz="2400">
+              <a:rPr lang="en-US" sz="2400" dirty="0">
                 <a:solidFill>
                   <a:schemeClr val="dk1"/>
                 </a:solidFill>
@@ -21250,7 +22192,7 @@
               <a:t> element inserts a </a:t>
             </a:r>
             <a:r>
-              <a:rPr lang="en-US" sz="2400" i="1">
+              <a:rPr lang="en-US" sz="2400" i="1" dirty="0">
                 <a:solidFill>
                   <a:schemeClr val="dk1"/>
                 </a:solidFill>
@@ -21262,7 +22204,7 @@
               <a:t>multiline text area </a:t>
             </a:r>
             <a:r>
-              <a:rPr lang="en-US" sz="2400">
+              <a:rPr lang="en-US" sz="2400" dirty="0">
                 <a:solidFill>
                   <a:schemeClr val="dk1"/>
                 </a:solidFill>
@@ -21273,7 +22215,7 @@
               </a:rPr>
               <a:t>into the form. </a:t>
             </a:r>
-            <a:endParaRPr/>
+            <a:endParaRPr dirty="0"/>
           </a:p>
           <a:p>
             <a:pPr marL="452628" marR="0" lvl="0" indent="-342900" algn="just" rtl="0">
@@ -21294,7 +22236,7 @@
               <a:buChar char="•"/>
             </a:pPr>
             <a:r>
-              <a:rPr lang="en-US" sz="2400">
+              <a:rPr lang="en-US" sz="2400" dirty="0">
                 <a:solidFill>
                   <a:schemeClr val="dk1"/>
                 </a:solidFill>
@@ -21306,7 +22248,7 @@
               <a:t>The number of rows is specified with the </a:t>
             </a:r>
             <a:r>
-              <a:rPr lang="en-US" sz="2400" b="1">
+              <a:rPr lang="en-US" sz="2400" b="1" dirty="0">
                 <a:solidFill>
                   <a:schemeClr val="dk1"/>
                 </a:solidFill>
@@ -21318,7 +22260,7 @@
               <a:t>rows</a:t>
             </a:r>
             <a:r>
-              <a:rPr lang="en-US" sz="2400">
+              <a:rPr lang="en-US" sz="2400" dirty="0">
                 <a:solidFill>
                   <a:schemeClr val="dk1"/>
                 </a:solidFill>
@@ -21330,7 +22272,7 @@
               <a:t> attribute, and the number of columns (i.e., characters per line) with the </a:t>
             </a:r>
             <a:r>
-              <a:rPr lang="en-US" sz="2400" b="1">
+              <a:rPr lang="en-US" sz="2400" b="1" dirty="0">
                 <a:solidFill>
                   <a:schemeClr val="dk1"/>
                 </a:solidFill>
@@ -21342,7 +22284,7 @@
               <a:t>cols</a:t>
             </a:r>
             <a:r>
-              <a:rPr lang="en-US" sz="2400">
+              <a:rPr lang="en-US" sz="2400" dirty="0">
                 <a:solidFill>
                   <a:schemeClr val="dk1"/>
                 </a:solidFill>
@@ -21353,7 +22295,7 @@
               </a:rPr>
               <a:t> attribute. </a:t>
             </a:r>
-            <a:endParaRPr/>
+            <a:endParaRPr dirty="0"/>
           </a:p>
           <a:p>
             <a:pPr marL="452628" marR="0" lvl="0" indent="-342900" algn="just" rtl="0">
@@ -21374,6 +22316,18 @@
               <a:buChar char="•"/>
             </a:pPr>
             <a:r>
+              <a:rPr lang="en-US" sz="2400" dirty="0">
+                <a:solidFill>
+                  <a:schemeClr val="dk1"/>
+                </a:solidFill>
+                <a:latin typeface="Calibri"/>
+                <a:ea typeface="Calibri"/>
+                <a:cs typeface="Calibri"/>
+                <a:sym typeface="Calibri"/>
+              </a:rPr>
+              <a:t>Default text can be specified in other input types, such as text fields, by using </a:t>
+            </a:r>
+            <a:r>
               <a:rPr lang="en-US" sz="2400">
                 <a:solidFill>
                   <a:schemeClr val="dk1"/>
@@ -21383,9 +22337,21 @@
                 <a:cs typeface="Calibri"/>
                 <a:sym typeface="Calibri"/>
               </a:rPr>
-              <a:t>Default text can be specified in other input types, such as text fields, by using the value attribute.</a:t>
-            </a:r>
-            <a:endParaRPr/>
+              <a:t>the placeholder </a:t>
+            </a:r>
+            <a:r>
+              <a:rPr lang="en-US" sz="2400" dirty="0">
+                <a:solidFill>
+                  <a:schemeClr val="dk1"/>
+                </a:solidFill>
+                <a:latin typeface="Calibri"/>
+                <a:ea typeface="Calibri"/>
+                <a:cs typeface="Calibri"/>
+                <a:sym typeface="Calibri"/>
+              </a:rPr>
+              <a:t>attribute.</a:t>
+            </a:r>
+            <a:endParaRPr dirty="0"/>
           </a:p>
         </p:txBody>
       </p:sp>
@@ -21424,7 +22390,7 @@
 </p:sld>
 </file>
 
-<file path=ppt/slides/slide25.xml><?xml version="1.0" encoding="utf-8"?>
+<file path=ppt/slides/slide26.xml><?xml version="1.0" encoding="utf-8"?>
 <p:sld xmlns:a="http://schemas.openxmlformats.org/drawingml/2006/main" xmlns:r="http://schemas.openxmlformats.org/officeDocument/2006/relationships" xmlns:p="http://schemas.openxmlformats.org/presentationml/2006/main">
   <p:cSld>
     <p:spTree>
@@ -21535,7 +22501,7 @@
             </a:pPr>
             <a:fld id="{00000000-1234-1234-1234-123412341234}" type="slidenum">
               <a:rPr lang="en-US"/>
-              <a:t>24</a:t>
+              <a:t>25</a:t>
             </a:fld>
             <a:endParaRPr/>
           </a:p>
@@ -21651,6 +22617,34 @@
               </a:rPr>
               <a:t>—an optional attribute that can be used in only one input element on a form—automatically gives the focus to the input element, allowing the user to begin typing in that element immediately. </a:t>
             </a:r>
+          </a:p>
+          <a:p>
+            <a:pPr marL="342900" marR="0" lvl="0" indent="-342900" algn="just" rtl="0">
+              <a:lnSpc>
+                <a:spcPct val="80000"/>
+              </a:lnSpc>
+              <a:spcBef>
+                <a:spcPts val="1680"/>
+              </a:spcBef>
+              <a:spcAft>
+                <a:spcPts val="0"/>
+              </a:spcAft>
+              <a:buClr>
+                <a:schemeClr val="dk1"/>
+              </a:buClr>
+              <a:buSzPts val="2400"/>
+              <a:buFont typeface="Arial"/>
+              <a:buChar char="•"/>
+            </a:pPr>
+            <a:r>
+              <a:rPr lang="en-US" sz="2400">
+                <a:latin typeface="Calibri"/>
+                <a:ea typeface="Calibri"/>
+                <a:cs typeface="Calibri"/>
+                <a:sym typeface="Calibri"/>
+              </a:rPr>
+              <a:t>If entered in more than 1 field, the first in order receives the focus.</a:t>
+            </a:r>
             <a:endParaRPr/>
           </a:p>
           <a:p>
@@ -21688,7 +22682,7 @@
 </p:sld>
 </file>
 
-<file path=ppt/slides/slide26.xml><?xml version="1.0" encoding="utf-8"?>
+<file path=ppt/slides/slide27.xml><?xml version="1.0" encoding="utf-8"?>
 <p:sld xmlns:a="http://schemas.openxmlformats.org/drawingml/2006/main" xmlns:r="http://schemas.openxmlformats.org/officeDocument/2006/relationships" xmlns:p="http://schemas.openxmlformats.org/presentationml/2006/main">
   <p:cSld>
     <p:spTree>
@@ -21799,7 +22793,7 @@
             </a:pPr>
             <a:fld id="{00000000-1234-1234-1234-123412341234}" type="slidenum">
               <a:rPr lang="en-US"/>
-              <a:t>25</a:t>
+              <a:t>26</a:t>
             </a:fld>
             <a:endParaRPr/>
           </a:p>
@@ -22162,7 +23156,7 @@
 </p:sld>
 </file>
 
-<file path=ppt/slides/slide27.xml><?xml version="1.0" encoding="utf-8"?>
+<file path=ppt/slides/slide28.xml><?xml version="1.0" encoding="utf-8"?>
 <p:sld xmlns:a="http://schemas.openxmlformats.org/drawingml/2006/main" xmlns:r="http://schemas.openxmlformats.org/officeDocument/2006/relationships" xmlns:p="http://schemas.openxmlformats.org/presentationml/2006/main">
   <p:cSld>
     <p:spTree>
@@ -22273,7 +23267,7 @@
             </a:pPr>
             <a:fld id="{00000000-1234-1234-1234-123412341234}" type="slidenum">
               <a:rPr lang="en-US"/>
-              <a:t>26</a:t>
+              <a:t>27</a:t>
             </a:fld>
             <a:endParaRPr/>
           </a:p>
@@ -22527,7 +23521,7 @@
 </p:sld>
 </file>
 
-<file path=ppt/slides/slide28.xml><?xml version="1.0" encoding="utf-8"?>
+<file path=ppt/slides/slide29.xml><?xml version="1.0" encoding="utf-8"?>
 <p:sld xmlns:a="http://schemas.openxmlformats.org/drawingml/2006/main" xmlns:r="http://schemas.openxmlformats.org/officeDocument/2006/relationships" xmlns:p="http://schemas.openxmlformats.org/presentationml/2006/main">
   <p:cSld>
     <p:spTree>
@@ -22691,7 +23685,7 @@
             </a:pPr>
             <a:fld id="{00000000-1234-1234-1234-123412341234}" type="slidenum">
               <a:rPr lang="en-US"/>
-              <a:t>27</a:t>
+              <a:t>28</a:t>
             </a:fld>
             <a:endParaRPr/>
           </a:p>
@@ -22738,7 +23732,140 @@
 </p:sld>
 </file>
 
-<file path=ppt/slides/slide29.xml><?xml version="1.0" encoding="utf-8"?>
+<file path=ppt/slides/slide3.xml><?xml version="1.0" encoding="utf-8"?>
+<p:sld xmlns:a="http://schemas.openxmlformats.org/drawingml/2006/main" xmlns:r="http://schemas.openxmlformats.org/officeDocument/2006/relationships" xmlns:p="http://schemas.openxmlformats.org/presentationml/2006/main">
+  <p:cSld>
+    <p:spTree>
+      <p:nvGrpSpPr>
+        <p:cNvPr id="1" name="Shape 109"/>
+        <p:cNvGrpSpPr/>
+        <p:nvPr/>
+      </p:nvGrpSpPr>
+      <p:grpSpPr>
+        <a:xfrm>
+          <a:off x="0" y="0"/>
+          <a:ext cx="0" cy="0"/>
+          <a:chOff x="0" y="0"/>
+          <a:chExt cx="0" cy="0"/>
+        </a:xfrm>
+      </p:grpSpPr>
+      <p:sp>
+        <p:nvSpPr>
+          <p:cNvPr id="110" name="Google Shape;110;p3"/>
+          <p:cNvSpPr txBox="1">
+            <a:spLocks noGrp="1"/>
+          </p:cNvSpPr>
+          <p:nvPr>
+            <p:ph type="ctrTitle"/>
+          </p:nvPr>
+        </p:nvSpPr>
+        <p:spPr>
+          <a:xfrm>
+            <a:off x="2346960" y="758952"/>
+            <a:ext cx="7543800" cy="3203448"/>
+          </a:xfrm>
+          <a:prstGeom prst="rect">
+            <a:avLst/>
+          </a:prstGeom>
+          <a:noFill/>
+          <a:ln>
+            <a:noFill/>
+          </a:ln>
+        </p:spPr>
+        <p:txBody>
+          <a:bodyPr spcFirstLastPara="1" wrap="square" lIns="91425" tIns="45700" rIns="91425" bIns="45700" anchor="b" anchorCtr="0">
+            <a:normAutofit/>
+          </a:bodyPr>
+          <a:lstStyle/>
+          <a:p>
+            <a:pPr marL="0" lvl="0" indent="0" algn="ctr" rtl="0">
+              <a:lnSpc>
+                <a:spcPct val="90000"/>
+              </a:lnSpc>
+              <a:spcBef>
+                <a:spcPts val="0"/>
+              </a:spcBef>
+              <a:spcAft>
+                <a:spcPts val="0"/>
+              </a:spcAft>
+              <a:buClr>
+                <a:schemeClr val="dk1"/>
+              </a:buClr>
+              <a:buSzPts val="6000"/>
+              <a:buFont typeface="Calibri"/>
+              <a:buNone/>
+            </a:pPr>
+            <a:r>
+              <a:rPr lang="en-US" b="1"/>
+              <a:t>Introducing </a:t>
+            </a:r>
+            <a:r>
+              <a:rPr lang="en-US" b="1">
+                <a:solidFill>
+                  <a:srgbClr val="1E4E79"/>
+                </a:solidFill>
+              </a:rPr>
+              <a:t>Forms</a:t>
+            </a:r>
+            <a:endParaRPr/>
+          </a:p>
+        </p:txBody>
+      </p:sp>
+      <p:sp>
+        <p:nvSpPr>
+          <p:cNvPr id="111" name="Google Shape;111;p3"/>
+          <p:cNvSpPr txBox="1">
+            <a:spLocks noGrp="1"/>
+          </p:cNvSpPr>
+          <p:nvPr>
+            <p:ph type="sldNum" idx="12"/>
+          </p:nvPr>
+        </p:nvSpPr>
+        <p:spPr>
+          <a:xfrm>
+            <a:off x="8610600" y="6356350"/>
+            <a:ext cx="2743200" cy="365125"/>
+          </a:xfrm>
+          <a:prstGeom prst="rect">
+            <a:avLst/>
+          </a:prstGeom>
+          <a:noFill/>
+          <a:ln>
+            <a:noFill/>
+          </a:ln>
+        </p:spPr>
+        <p:txBody>
+          <a:bodyPr spcFirstLastPara="1" wrap="square" lIns="91425" tIns="45700" rIns="91425" bIns="45700" anchor="ctr" anchorCtr="0">
+            <a:noAutofit/>
+          </a:bodyPr>
+          <a:lstStyle/>
+          <a:p>
+            <a:pPr marL="0" lvl="0" indent="0" algn="r" rtl="0">
+              <a:spcBef>
+                <a:spcPts val="0"/>
+              </a:spcBef>
+              <a:spcAft>
+                <a:spcPts val="0"/>
+              </a:spcAft>
+              <a:buNone/>
+            </a:pPr>
+            <a:fld id="{00000000-1234-1234-1234-123412341234}" type="slidenum">
+              <a:rPr lang="en-US"/>
+              <a:t>2</a:t>
+            </a:fld>
+            <a:endParaRPr/>
+          </a:p>
+        </p:txBody>
+      </p:sp>
+    </p:spTree>
+  </p:cSld>
+  <p:clrMapOvr>
+    <a:masterClrMapping/>
+  </p:clrMapOvr>
+</p:sld>
+</file>
+
+<file path=ppt/slides/slide30.xml><?xml version="1.0" encoding="utf-8"?>
 <p:sld xmlns:a="http://schemas.openxmlformats.org/drawingml/2006/main" xmlns:r="http://schemas.openxmlformats.org/officeDocument/2006/relationships" xmlns:p="http://schemas.openxmlformats.org/presentationml/2006/main">
   <p:cSld>
     <p:spTree>
@@ -22865,7 +23992,7 @@
           <a:p>
             <a:fld id="{4EF9C409-AEBC-AC4B-B24C-458B6F1C7CF1}" type="slidenum">
               <a:rPr lang="en-US" smtClean="0"/>
-              <a:t>28</a:t>
+              <a:t>29</a:t>
             </a:fld>
             <a:endParaRPr lang="en-US"/>
           </a:p>
@@ -22877,139 +24004,6 @@
         <p14:creationId xmlns:p14="http://schemas.microsoft.com/office/powerpoint/2010/main" val="796589922"/>
       </p:ext>
     </p:extLst>
-  </p:cSld>
-  <p:clrMapOvr>
-    <a:masterClrMapping/>
-  </p:clrMapOvr>
-</p:sld>
-</file>
-
-<file path=ppt/slides/slide3.xml><?xml version="1.0" encoding="utf-8"?>
-<p:sld xmlns:a="http://schemas.openxmlformats.org/drawingml/2006/main" xmlns:r="http://schemas.openxmlformats.org/officeDocument/2006/relationships" xmlns:p="http://schemas.openxmlformats.org/presentationml/2006/main">
-  <p:cSld>
-    <p:spTree>
-      <p:nvGrpSpPr>
-        <p:cNvPr id="1" name="Shape 109"/>
-        <p:cNvGrpSpPr/>
-        <p:nvPr/>
-      </p:nvGrpSpPr>
-      <p:grpSpPr>
-        <a:xfrm>
-          <a:off x="0" y="0"/>
-          <a:ext cx="0" cy="0"/>
-          <a:chOff x="0" y="0"/>
-          <a:chExt cx="0" cy="0"/>
-        </a:xfrm>
-      </p:grpSpPr>
-      <p:sp>
-        <p:nvSpPr>
-          <p:cNvPr id="110" name="Google Shape;110;p3"/>
-          <p:cNvSpPr txBox="1">
-            <a:spLocks noGrp="1"/>
-          </p:cNvSpPr>
-          <p:nvPr>
-            <p:ph type="ctrTitle"/>
-          </p:nvPr>
-        </p:nvSpPr>
-        <p:spPr>
-          <a:xfrm>
-            <a:off x="2346960" y="758952"/>
-            <a:ext cx="7543800" cy="3203448"/>
-          </a:xfrm>
-          <a:prstGeom prst="rect">
-            <a:avLst/>
-          </a:prstGeom>
-          <a:noFill/>
-          <a:ln>
-            <a:noFill/>
-          </a:ln>
-        </p:spPr>
-        <p:txBody>
-          <a:bodyPr spcFirstLastPara="1" wrap="square" lIns="91425" tIns="45700" rIns="91425" bIns="45700" anchor="b" anchorCtr="0">
-            <a:normAutofit/>
-          </a:bodyPr>
-          <a:lstStyle/>
-          <a:p>
-            <a:pPr marL="0" lvl="0" indent="0" algn="ctr" rtl="0">
-              <a:lnSpc>
-                <a:spcPct val="90000"/>
-              </a:lnSpc>
-              <a:spcBef>
-                <a:spcPts val="0"/>
-              </a:spcBef>
-              <a:spcAft>
-                <a:spcPts val="0"/>
-              </a:spcAft>
-              <a:buClr>
-                <a:schemeClr val="dk1"/>
-              </a:buClr>
-              <a:buSzPts val="6000"/>
-              <a:buFont typeface="Calibri"/>
-              <a:buNone/>
-            </a:pPr>
-            <a:r>
-              <a:rPr lang="en-US" b="1"/>
-              <a:t>Introducing </a:t>
-            </a:r>
-            <a:r>
-              <a:rPr lang="en-US" b="1">
-                <a:solidFill>
-                  <a:srgbClr val="1E4E79"/>
-                </a:solidFill>
-              </a:rPr>
-              <a:t>Forms</a:t>
-            </a:r>
-            <a:endParaRPr/>
-          </a:p>
-        </p:txBody>
-      </p:sp>
-      <p:sp>
-        <p:nvSpPr>
-          <p:cNvPr id="111" name="Google Shape;111;p3"/>
-          <p:cNvSpPr txBox="1">
-            <a:spLocks noGrp="1"/>
-          </p:cNvSpPr>
-          <p:nvPr>
-            <p:ph type="sldNum" idx="12"/>
-          </p:nvPr>
-        </p:nvSpPr>
-        <p:spPr>
-          <a:xfrm>
-            <a:off x="8610600" y="6356350"/>
-            <a:ext cx="2743200" cy="365125"/>
-          </a:xfrm>
-          <a:prstGeom prst="rect">
-            <a:avLst/>
-          </a:prstGeom>
-          <a:noFill/>
-          <a:ln>
-            <a:noFill/>
-          </a:ln>
-        </p:spPr>
-        <p:txBody>
-          <a:bodyPr spcFirstLastPara="1" wrap="square" lIns="91425" tIns="45700" rIns="91425" bIns="45700" anchor="ctr" anchorCtr="0">
-            <a:noAutofit/>
-          </a:bodyPr>
-          <a:lstStyle/>
-          <a:p>
-            <a:pPr marL="0" lvl="0" indent="0" algn="r" rtl="0">
-              <a:spcBef>
-                <a:spcPts val="0"/>
-              </a:spcBef>
-              <a:spcAft>
-                <a:spcPts val="0"/>
-              </a:spcAft>
-              <a:buNone/>
-            </a:pPr>
-            <a:fld id="{00000000-1234-1234-1234-123412341234}" type="slidenum">
-              <a:rPr lang="en-US"/>
-              <a:t>2</a:t>
-            </a:fld>
-            <a:endParaRPr/>
-          </a:p>
-        </p:txBody>
-      </p:sp>
-    </p:spTree>
   </p:cSld>
   <p:clrMapOvr>
     <a:masterClrMapping/>
